--- a/powerpoint files/Session3.pptx
+++ b/powerpoint files/Session3.pptx
@@ -126,6 +126,35 @@
     </p:ext>
   </p:extLst>
 </p:presentation>
+</file>
+
+<file path=ppt/changesInfos/changesInfo1.xml><?xml version="1.0" encoding="utf-8"?>
+<pc:chgInfo xmlns:a="http://schemas.openxmlformats.org/drawingml/2006/main" xmlns:r="http://schemas.openxmlformats.org/officeDocument/2006/relationships" xmlns:ac="http://schemas.microsoft.com/office/drawing/2013/main/command" xmlns:pc="http://schemas.microsoft.com/office/powerpoint/2013/main/command">
+  <pc:docChgLst>
+    <pc:chgData name="Srinivasa Rao" userId="a6b54366-f13d-4292-8bb4-f06c50909b1e" providerId="ADAL" clId="{7220976B-DC47-2B48-967E-178E573C9601}"/>
+    <pc:docChg chg="modSld">
+      <pc:chgData name="Srinivasa Rao" userId="a6b54366-f13d-4292-8bb4-f06c50909b1e" providerId="ADAL" clId="{7220976B-DC47-2B48-967E-178E573C9601}" dt="2023-10-30T17:18:51.916" v="0"/>
+      <pc:docMkLst>
+        <pc:docMk/>
+      </pc:docMkLst>
+      <pc:sldChg chg="modSp mod">
+        <pc:chgData name="Srinivasa Rao" userId="a6b54366-f13d-4292-8bb4-f06c50909b1e" providerId="ADAL" clId="{7220976B-DC47-2B48-967E-178E573C9601}" dt="2023-10-30T17:18:51.916" v="0"/>
+        <pc:sldMkLst>
+          <pc:docMk/>
+          <pc:sldMk cId="0" sldId="256"/>
+        </pc:sldMkLst>
+        <pc:spChg chg="mod">
+          <ac:chgData name="Srinivasa Rao" userId="a6b54366-f13d-4292-8bb4-f06c50909b1e" providerId="ADAL" clId="{7220976B-DC47-2B48-967E-178E573C9601}" dt="2023-10-30T17:18:51.916" v="0"/>
+          <ac:spMkLst>
+            <pc:docMk/>
+            <pc:sldMk cId="0" sldId="256"/>
+            <ac:spMk id="191" creationId="{00000000-0000-0000-0000-000000000000}"/>
+          </ac:spMkLst>
+        </pc:spChg>
+      </pc:sldChg>
+    </pc:docChg>
+  </pc:docChgLst>
+</pc:chgInfo>
 </file>
 
 <file path=ppt/slideLayouts/slideLayout1.xml><?xml version="1.0" encoding="utf-8"?>
@@ -10044,14 +10073,24 @@
               </a:tabLst>
             </a:pPr>
             <a:r>
-              <a:rPr lang="en-US" sz="3200" b="0" strike="noStrike" spc="-1" dirty="0">
+              <a:rPr lang="en-US" sz="3200" spc="-1" dirty="0" err="1">
                 <a:solidFill>
                   <a:srgbClr val="8B8B8B"/>
                 </a:solidFill>
                 <a:latin typeface="Calibri"/>
                 <a:ea typeface="DejaVu Sans"/>
               </a:rPr>
-              <a:t>Trinity 2023</a:t>
+              <a:t>Michaelmas</a:t>
+            </a:r>
+            <a:r>
+              <a:rPr lang="en-US" sz="3200" b="0" strike="noStrike" spc="-1">
+                <a:solidFill>
+                  <a:srgbClr val="8B8B8B"/>
+                </a:solidFill>
+                <a:latin typeface="Calibri"/>
+                <a:ea typeface="DejaVu Sans"/>
+              </a:rPr>
+              <a:t> 2023</a:t>
             </a:r>
             <a:endParaRPr lang="en-GB" sz="3200" b="0" strike="noStrike" spc="-1" dirty="0">
               <a:latin typeface="Arial"/>

--- a/powerpoint files/Session3.pptx
+++ b/powerpoint files/Session3.pptx
@@ -128,12 +128,20 @@
 </p:presentation>
 </file>
 
+<file path=ppt/revisionInfo.xml><?xml version="1.0" encoding="utf-8"?>
+<p1510:revInfo xmlns:a="http://schemas.openxmlformats.org/drawingml/2006/main" xmlns:r="http://schemas.openxmlformats.org/officeDocument/2006/relationships" xmlns:p1510="http://schemas.microsoft.com/office/powerpoint/2015/10/main">
+  <p1510:revLst>
+    <p1510:client id="{7220976B-DC47-2B48-967E-178E573C9601}" v="2" dt="2023-11-07T11:45:20.061"/>
+  </p1510:revLst>
+</p1510:revInfo>
+</file>
+
 <file path=ppt/changesInfos/changesInfo1.xml><?xml version="1.0" encoding="utf-8"?>
 <pc:chgInfo xmlns:a="http://schemas.openxmlformats.org/drawingml/2006/main" xmlns:r="http://schemas.openxmlformats.org/officeDocument/2006/relationships" xmlns:ac="http://schemas.microsoft.com/office/drawing/2013/main/command" xmlns:pc="http://schemas.microsoft.com/office/powerpoint/2013/main/command">
   <pc:docChgLst>
     <pc:chgData name="Srinivasa Rao" userId="a6b54366-f13d-4292-8bb4-f06c50909b1e" providerId="ADAL" clId="{7220976B-DC47-2B48-967E-178E573C9601}"/>
     <pc:docChg chg="modSld">
-      <pc:chgData name="Srinivasa Rao" userId="a6b54366-f13d-4292-8bb4-f06c50909b1e" providerId="ADAL" clId="{7220976B-DC47-2B48-967E-178E573C9601}" dt="2023-10-30T17:18:51.916" v="0"/>
+      <pc:chgData name="Srinivasa Rao" userId="a6b54366-f13d-4292-8bb4-f06c50909b1e" providerId="ADAL" clId="{7220976B-DC47-2B48-967E-178E573C9601}" dt="2023-11-07T11:46:06.229" v="168" actId="20577"/>
       <pc:docMkLst>
         <pc:docMk/>
       </pc:docMkLst>
@@ -149,6 +157,21 @@
             <pc:docMk/>
             <pc:sldMk cId="0" sldId="256"/>
             <ac:spMk id="191" creationId="{00000000-0000-0000-0000-000000000000}"/>
+          </ac:spMkLst>
+        </pc:spChg>
+      </pc:sldChg>
+      <pc:sldChg chg="modSp mod">
+        <pc:chgData name="Srinivasa Rao" userId="a6b54366-f13d-4292-8bb4-f06c50909b1e" providerId="ADAL" clId="{7220976B-DC47-2B48-967E-178E573C9601}" dt="2023-11-07T11:46:06.229" v="168" actId="20577"/>
+        <pc:sldMkLst>
+          <pc:docMk/>
+          <pc:sldMk cId="0" sldId="270"/>
+        </pc:sldMkLst>
+        <pc:spChg chg="mod">
+          <ac:chgData name="Srinivasa Rao" userId="a6b54366-f13d-4292-8bb4-f06c50909b1e" providerId="ADAL" clId="{7220976B-DC47-2B48-967E-178E573C9601}" dt="2023-11-07T11:46:06.229" v="168" actId="20577"/>
+          <ac:spMkLst>
+            <pc:docMk/>
+            <pc:sldMk cId="0" sldId="270"/>
+            <ac:spMk id="247" creationId="{00000000-0000-0000-0000-000000000000}"/>
           </ac:spMkLst>
         </pc:spChg>
       </pc:sldChg>
@@ -10754,6 +10777,13 @@
           </a:effectRef>
           <a:fontRef idx="minor"/>
         </p:style>
+        <p:txBody>
+          <a:bodyPr/>
+          <a:lstStyle/>
+          <a:p>
+            <a:endParaRPr lang="en-US"/>
+          </a:p>
+        </p:txBody>
       </p:sp>
       <p:sp>
         <p:nvSpPr>
@@ -11212,6 +11242,13 @@
           </a:effectRef>
           <a:fontRef idx="minor"/>
         </p:style>
+        <p:txBody>
+          <a:bodyPr/>
+          <a:lstStyle/>
+          <a:p>
+            <a:endParaRPr lang="en-US"/>
+          </a:p>
+        </p:txBody>
       </p:sp>
       <p:pic>
         <p:nvPicPr>
@@ -11370,7 +11407,7 @@
               <a:buChar char="•"/>
             </a:pPr>
             <a:r>
-              <a:rPr lang="en-GB" sz="2180" b="0" u="sng" strike="noStrike" spc="-1">
+              <a:rPr lang="en-GB" sz="2180" b="0" u="sng" strike="noStrike" spc="-1" dirty="0">
                 <a:solidFill>
                   <a:srgbClr val="0000FF"/>
                 </a:solidFill>
@@ -11382,7 +11419,7 @@
               <a:t>https://github.com/EmilHvitfeldt/r-color-palettes</a:t>
             </a:r>
             <a:r>
-              <a:rPr lang="en-GB" sz="2180" b="0" strike="noStrike" spc="-1">
+              <a:rPr lang="en-GB" sz="2180" b="0" strike="noStrike" spc="-1" dirty="0">
                 <a:solidFill>
                   <a:srgbClr val="000000"/>
                 </a:solidFill>
@@ -11391,7 +11428,7 @@
               </a:rPr>
               <a:t> - a huge list of R palettes</a:t>
             </a:r>
-            <a:endParaRPr lang="en-GB" sz="2180" b="0" strike="noStrike" spc="-1">
+            <a:endParaRPr lang="en-GB" sz="2180" b="0" strike="noStrike" spc="-1" dirty="0">
               <a:latin typeface="Arial"/>
             </a:endParaRPr>
           </a:p>
@@ -11410,7 +11447,7 @@
               <a:buChar char="•"/>
             </a:pPr>
             <a:r>
-              <a:rPr lang="en-GB" sz="2180" b="0" u="sng" strike="noStrike" spc="-1">
+              <a:rPr lang="en-GB" sz="2180" b="0" u="sng" strike="noStrike" spc="-1" dirty="0">
                 <a:solidFill>
                   <a:srgbClr val="0000FF"/>
                 </a:solidFill>
@@ -11422,16 +11459,36 @@
               <a:t>https://colorbrewer2.org/</a:t>
             </a:r>
             <a:r>
-              <a:rPr lang="en-GB" sz="2180" b="0" strike="noStrike" spc="-1">
+              <a:rPr lang="en-GB" sz="2180" b="0" strike="noStrike" spc="-1" dirty="0">
                 <a:solidFill>
                   <a:srgbClr val="000000"/>
                 </a:solidFill>
                 <a:latin typeface="Calibri"/>
                 <a:ea typeface="DejaVu Sans"/>
               </a:rPr>
-              <a:t> - RColorBrewer package based on this tool by Cynthia Brewer</a:t>
-            </a:r>
-            <a:endParaRPr lang="en-GB" sz="2180" b="0" strike="noStrike" spc="-1">
+              <a:t> - </a:t>
+            </a:r>
+            <a:r>
+              <a:rPr lang="en-GB" sz="2180" b="0" strike="noStrike" spc="-1" dirty="0" err="1">
+                <a:solidFill>
+                  <a:srgbClr val="000000"/>
+                </a:solidFill>
+                <a:latin typeface="Calibri"/>
+                <a:ea typeface="DejaVu Sans"/>
+              </a:rPr>
+              <a:t>RColorBrewer</a:t>
+            </a:r>
+            <a:r>
+              <a:rPr lang="en-GB" sz="2180" b="0" strike="noStrike" spc="-1" dirty="0">
+                <a:solidFill>
+                  <a:srgbClr val="000000"/>
+                </a:solidFill>
+                <a:latin typeface="Calibri"/>
+                <a:ea typeface="DejaVu Sans"/>
+              </a:rPr>
+              <a:t> package based on this tool by Cynthia Brewer</a:t>
+            </a:r>
+            <a:endParaRPr lang="en-GB" sz="2180" b="0" strike="noStrike" spc="-1" dirty="0">
               <a:latin typeface="Arial"/>
             </a:endParaRPr>
           </a:p>
@@ -11450,7 +11507,7 @@
               <a:buChar char="•"/>
             </a:pPr>
             <a:r>
-              <a:rPr lang="en-GB" sz="2180" b="0" u="sng" strike="noStrike" spc="-1">
+              <a:rPr lang="en-GB" sz="2180" b="0" u="sng" strike="noStrike" spc="-1" dirty="0">
                 <a:solidFill>
                   <a:srgbClr val="0000FF"/>
                 </a:solidFill>
@@ -11462,7 +11519,7 @@
               <a:t>https://jokergoo.github.io/ComplexHeatmap-reference/book/</a:t>
             </a:r>
             <a:r>
-              <a:rPr lang="en-GB" sz="2180" b="0" strike="noStrike" spc="-1">
+              <a:rPr lang="en-GB" sz="2180" b="0" strike="noStrike" spc="-1" dirty="0">
                 <a:solidFill>
                   <a:srgbClr val="000000"/>
                 </a:solidFill>
@@ -11471,7 +11528,78 @@
               </a:rPr>
               <a:t> - R package to produce Complex Heatmaps</a:t>
             </a:r>
-            <a:endParaRPr lang="en-GB" sz="2180" b="0" strike="noStrike" spc="-1">
+          </a:p>
+          <a:p>
+            <a:pPr marL="343080" indent="-342000">
+              <a:lnSpc>
+                <a:spcPct val="100000"/>
+              </a:lnSpc>
+              <a:spcBef>
+                <a:spcPts val="437"/>
+              </a:spcBef>
+              <a:buClr>
+                <a:srgbClr val="000000"/>
+              </a:buClr>
+              <a:buFont typeface="Arial"/>
+              <a:buChar char="•"/>
+            </a:pPr>
+            <a:r>
+              <a:rPr lang="en-GB" sz="2180" b="0" strike="noStrike" spc="-1" dirty="0">
+                <a:latin typeface="Arial"/>
+                <a:hlinkClick r:id="rId5"/>
+              </a:rPr>
+              <a:t>https://carriebrown.github.io/r-novice-gapminder/challenges/</a:t>
+            </a:r>
+            <a:r>
+              <a:rPr lang="en-GB" sz="2180" b="0" strike="noStrike" spc="-1" dirty="0">
+                <a:solidFill>
+                  <a:srgbClr val="000000"/>
+                </a:solidFill>
+                <a:latin typeface="Calibri"/>
+              </a:rPr>
+              <a:t> - R challenges</a:t>
+            </a:r>
+          </a:p>
+          <a:p>
+            <a:pPr marL="343080" indent="-342000">
+              <a:lnSpc>
+                <a:spcPct val="100000"/>
+              </a:lnSpc>
+              <a:spcBef>
+                <a:spcPts val="437"/>
+              </a:spcBef>
+              <a:buClr>
+                <a:srgbClr val="000000"/>
+              </a:buClr>
+              <a:buFont typeface="Arial"/>
+              <a:buChar char="•"/>
+            </a:pPr>
+            <a:r>
+              <a:rPr lang="en-GB" sz="2180" b="0" strike="noStrike" spc="-1" dirty="0">
+                <a:latin typeface="Arial"/>
+                <a:hlinkClick r:id="rId6"/>
+              </a:rPr>
+              <a:t>https://rosalind.info/problems/locations/</a:t>
+            </a:r>
+            <a:r>
+              <a:rPr lang="en-GB" sz="2180" spc="-1" dirty="0">
+                <a:solidFill>
+                  <a:srgbClr val="000000"/>
+                </a:solidFill>
+                <a:latin typeface="Calibri"/>
+              </a:rPr>
+              <a:t> - biological programming and algorithmic challenges (mainly geared towards python, but can be solved using R </a:t>
+            </a:r>
+            <a:r>
+              <a:rPr lang="en-GB" sz="2180" spc="-1">
+                <a:solidFill>
+                  <a:srgbClr val="000000"/>
+                </a:solidFill>
+                <a:latin typeface="Calibri"/>
+              </a:rPr>
+              <a:t>as well)</a:t>
+            </a:r>
+            <a:endParaRPr lang="en-GB" sz="2180" b="0" strike="noStrike" spc="-1" dirty="0">
               <a:latin typeface="Arial"/>
             </a:endParaRPr>
           </a:p>
@@ -13375,6 +13503,13 @@
           </a:effectRef>
           <a:fontRef idx="minor"/>
         </p:style>
+        <p:txBody>
+          <a:bodyPr/>
+          <a:lstStyle/>
+          <a:p>
+            <a:endParaRPr lang="en-US"/>
+          </a:p>
+        </p:txBody>
       </p:sp>
       <p:sp>
         <p:nvSpPr>
@@ -13833,6 +13968,13 @@
           </a:effectRef>
           <a:fontRef idx="minor"/>
         </p:style>
+        <p:txBody>
+          <a:bodyPr/>
+          <a:lstStyle/>
+          <a:p>
+            <a:endParaRPr lang="en-US"/>
+          </a:p>
+        </p:txBody>
       </p:sp>
       <p:pic>
         <p:nvPicPr>
@@ -14650,6 +14792,13 @@
           </a:effectRef>
           <a:fontRef idx="minor"/>
         </p:style>
+        <p:txBody>
+          <a:bodyPr/>
+          <a:lstStyle/>
+          <a:p>
+            <a:endParaRPr lang="en-US"/>
+          </a:p>
+        </p:txBody>
       </p:sp>
       <p:sp>
         <p:nvSpPr>
@@ -14682,6 +14831,13 @@
           </a:effectRef>
           <a:fontRef idx="minor"/>
         </p:style>
+        <p:txBody>
+          <a:bodyPr/>
+          <a:lstStyle/>
+          <a:p>
+            <a:endParaRPr lang="en-US"/>
+          </a:p>
+        </p:txBody>
       </p:sp>
       <p:sp>
         <p:nvSpPr>
@@ -14717,6 +14873,13 @@
           </a:effectRef>
           <a:fontRef idx="minor"/>
         </p:style>
+        <p:txBody>
+          <a:bodyPr/>
+          <a:lstStyle/>
+          <a:p>
+            <a:endParaRPr lang="en-US"/>
+          </a:p>
+        </p:txBody>
       </p:sp>
       <p:sp>
         <p:nvSpPr>
@@ -14752,6 +14915,13 @@
           </a:effectRef>
           <a:fontRef idx="minor"/>
         </p:style>
+        <p:txBody>
+          <a:bodyPr/>
+          <a:lstStyle/>
+          <a:p>
+            <a:endParaRPr lang="en-US"/>
+          </a:p>
+        </p:txBody>
       </p:sp>
       <p:sp>
         <p:nvSpPr>
@@ -14787,6 +14957,13 @@
           </a:effectRef>
           <a:fontRef idx="minor"/>
         </p:style>
+        <p:txBody>
+          <a:bodyPr/>
+          <a:lstStyle/>
+          <a:p>
+            <a:endParaRPr lang="en-US"/>
+          </a:p>
+        </p:txBody>
       </p:sp>
       <p:sp>
         <p:nvSpPr>
@@ -15189,6 +15366,13 @@
           </a:effectRef>
           <a:fontRef idx="minor"/>
         </p:style>
+        <p:txBody>
+          <a:bodyPr/>
+          <a:lstStyle/>
+          <a:p>
+            <a:endParaRPr lang="en-US"/>
+          </a:p>
+        </p:txBody>
       </p:sp>
       <p:sp>
         <p:nvSpPr>
@@ -15243,6 +15427,13 @@
           </a:effectRef>
           <a:fontRef idx="minor"/>
         </p:style>
+        <p:txBody>
+          <a:bodyPr/>
+          <a:lstStyle/>
+          <a:p>
+            <a:endParaRPr lang="en-US"/>
+          </a:p>
+        </p:txBody>
       </p:sp>
       <p:sp>
         <p:nvSpPr>
@@ -15297,6 +15488,13 @@
           </a:effectRef>
           <a:fontRef idx="minor"/>
         </p:style>
+        <p:txBody>
+          <a:bodyPr/>
+          <a:lstStyle/>
+          <a:p>
+            <a:endParaRPr lang="en-US"/>
+          </a:p>
+        </p:txBody>
       </p:sp>
       <p:sp>
         <p:nvSpPr>
@@ -15351,6 +15549,13 @@
           </a:effectRef>
           <a:fontRef idx="minor"/>
         </p:style>
+        <p:txBody>
+          <a:bodyPr/>
+          <a:lstStyle/>
+          <a:p>
+            <a:endParaRPr lang="en-US"/>
+          </a:p>
+        </p:txBody>
       </p:sp>
       <p:sp>
         <p:nvSpPr>
@@ -15405,6 +15610,13 @@
           </a:effectRef>
           <a:fontRef idx="minor"/>
         </p:style>
+        <p:txBody>
+          <a:bodyPr/>
+          <a:lstStyle/>
+          <a:p>
+            <a:endParaRPr lang="en-US"/>
+          </a:p>
+        </p:txBody>
       </p:sp>
       <p:sp>
         <p:nvSpPr>
@@ -15459,6 +15671,13 @@
           </a:effectRef>
           <a:fontRef idx="minor"/>
         </p:style>
+        <p:txBody>
+          <a:bodyPr/>
+          <a:lstStyle/>
+          <a:p>
+            <a:endParaRPr lang="en-US"/>
+          </a:p>
+        </p:txBody>
       </p:sp>
     </p:spTree>
   </p:cSld>
